--- a/PPT_CA1/Data Management - CA1 - Ethics Gov Privacy - Student Ciaran Finnegan d21124026 v1-0 100222.pptx
+++ b/PPT_CA1/Data Management - CA1 - Ethics Gov Privacy - Student Ciaran Finnegan d21124026 v1-0 100222.pptx
@@ -6,15 +6,20 @@
     <p:sldMasterId id="2147483650" r:id="rId2"/>
   </p:sldMasterIdLst>
   <p:notesMasterIdLst>
-    <p:notesMasterId r:id="rId6"/>
+    <p:notesMasterId r:id="rId11"/>
   </p:notesMasterIdLst>
   <p:handoutMasterIdLst>
-    <p:handoutMasterId r:id="rId7"/>
+    <p:handoutMasterId r:id="rId12"/>
   </p:handoutMasterIdLst>
   <p:sldIdLst>
     <p:sldId id="256" r:id="rId3"/>
     <p:sldId id="257" r:id="rId4"/>
     <p:sldId id="259" r:id="rId5"/>
+    <p:sldId id="260" r:id="rId6"/>
+    <p:sldId id="261" r:id="rId7"/>
+    <p:sldId id="262" r:id="rId8"/>
+    <p:sldId id="263" r:id="rId9"/>
+    <p:sldId id="264" r:id="rId10"/>
   </p:sldIdLst>
   <p:sldSz cx="9144000" cy="6858000" type="screen4x3"/>
   <p:notesSz cx="6858000" cy="9144000"/>
@@ -202,6 +207,11 @@
         </a:xfrm>
       </p:grpSpPr>
     </p:spTree>
+    <p:extLst>
+      <p:ext uri="{BB962C8B-B14F-4D97-AF65-F5344CB8AC3E}">
+        <p14:creationId xmlns:p14="http://schemas.microsoft.com/office/powerpoint/2010/main" val="1"/>
+      </p:ext>
+    </p:extLst>
   </p:cSld>
   <p:clrMap bg1="lt1" tx1="dk1" bg2="lt2" tx2="dk2" accent1="accent1" accent2="accent2" accent3="accent3" accent4="accent4" accent5="accent5" accent6="accent6" hlink="hlink" folHlink="folHlink"/>
 </p:handoutMaster>
@@ -382,7 +392,7 @@
         <p:nvSpPr>
           <p:cNvPr id="69636" name="Rectangle 4"/>
           <p:cNvSpPr>
-            <a:spLocks noRot="1" noChangeArrowheads="1" noTextEdit="1"/>
+            <a:spLocks noGrp="1" noRot="1" noChangeAspect="1" noChangeArrowheads="1" noTextEdit="1"/>
           </p:cNvSpPr>
           <p:nvPr>
             <p:ph type="sldImg" idx="2"/>
@@ -484,35 +494,35 @@
           <a:p>
             <a:pPr lvl="0"/>
             <a:r>
-              <a:rPr lang="ru-RU" altLang="en-US" smtClean="0"/>
+              <a:rPr lang="ru-RU" altLang="en-US"/>
               <a:t>Click to edit Master text styles</a:t>
             </a:r>
           </a:p>
           <a:p>
             <a:pPr lvl="1"/>
             <a:r>
-              <a:rPr lang="ru-RU" altLang="en-US" smtClean="0"/>
+              <a:rPr lang="ru-RU" altLang="en-US"/>
               <a:t>Second level</a:t>
             </a:r>
           </a:p>
           <a:p>
             <a:pPr lvl="2"/>
             <a:r>
-              <a:rPr lang="ru-RU" altLang="en-US" smtClean="0"/>
+              <a:rPr lang="ru-RU" altLang="en-US"/>
               <a:t>Third level</a:t>
             </a:r>
           </a:p>
           <a:p>
             <a:pPr lvl="3"/>
             <a:r>
-              <a:rPr lang="ru-RU" altLang="en-US" smtClean="0"/>
+              <a:rPr lang="ru-RU" altLang="en-US"/>
               <a:t>Fourth level</a:t>
             </a:r>
           </a:p>
           <a:p>
             <a:pPr lvl="4"/>
             <a:r>
-              <a:rPr lang="ru-RU" altLang="en-US" smtClean="0"/>
+              <a:rPr lang="ru-RU" altLang="en-US"/>
               <a:t>Fifth level</a:t>
             </a:r>
           </a:p>
@@ -857,10 +867,10 @@
           <a:p>
             <a:pPr lvl="0"/>
             <a:r>
-              <a:rPr lang="en-US" altLang="en-US" noProof="0" smtClean="0"/>
+              <a:rPr lang="en-US" altLang="en-US" noProof="0"/>
               <a:t>Click to edit Master title style</a:t>
             </a:r>
-            <a:endParaRPr lang="ru-RU" altLang="en-US" noProof="0" smtClean="0"/>
+            <a:endParaRPr lang="ru-RU" altLang="en-US" noProof="0"/>
           </a:p>
         </p:txBody>
       </p:sp>
@@ -900,10 +910,10 @@
           <a:p>
             <a:pPr lvl="0"/>
             <a:r>
-              <a:rPr lang="en-US" altLang="en-US" noProof="0" smtClean="0"/>
+              <a:rPr lang="en-US" altLang="en-US" noProof="0"/>
               <a:t>Click to edit Master subtitle style</a:t>
             </a:r>
-            <a:endParaRPr lang="ru-RU" altLang="en-US" noProof="0" smtClean="0"/>
+            <a:endParaRPr lang="ru-RU" altLang="en-US" noProof="0"/>
           </a:p>
         </p:txBody>
       </p:sp>
@@ -948,7 +958,7 @@
           <a:lstStyle/>
           <a:p>
             <a:r>
-              <a:rPr lang="en-US" smtClean="0"/>
+              <a:rPr lang="en-US"/>
               <a:t>Click to edit Master title style</a:t>
             </a:r>
             <a:endParaRPr lang="en-GB"/>
@@ -972,35 +982,35 @@
           <a:p>
             <a:pPr lvl="0"/>
             <a:r>
-              <a:rPr lang="en-US" smtClean="0"/>
+              <a:rPr lang="en-US"/>
               <a:t>Edit Master text styles</a:t>
             </a:r>
           </a:p>
           <a:p>
             <a:pPr lvl="1"/>
             <a:r>
-              <a:rPr lang="en-US" smtClean="0"/>
+              <a:rPr lang="en-US"/>
               <a:t>Second level</a:t>
             </a:r>
           </a:p>
           <a:p>
             <a:pPr lvl="2"/>
             <a:r>
-              <a:rPr lang="en-US" smtClean="0"/>
+              <a:rPr lang="en-US"/>
               <a:t>Third level</a:t>
             </a:r>
           </a:p>
           <a:p>
             <a:pPr lvl="3"/>
             <a:r>
-              <a:rPr lang="en-US" smtClean="0"/>
+              <a:rPr lang="en-US"/>
               <a:t>Fourth level</a:t>
             </a:r>
           </a:p>
           <a:p>
             <a:pPr lvl="4"/>
             <a:r>
-              <a:rPr lang="en-US" smtClean="0"/>
+              <a:rPr lang="en-US"/>
               <a:t>Fifth level</a:t>
             </a:r>
             <a:endParaRPr lang="en-GB"/>
@@ -1058,7 +1068,7 @@
           <a:lstStyle/>
           <a:p>
             <a:r>
-              <a:rPr lang="en-US" smtClean="0"/>
+              <a:rPr lang="en-US"/>
               <a:t>Click to edit Master title style</a:t>
             </a:r>
             <a:endParaRPr lang="en-GB"/>
@@ -1087,35 +1097,35 @@
           <a:p>
             <a:pPr lvl="0"/>
             <a:r>
-              <a:rPr lang="en-US" smtClean="0"/>
+              <a:rPr lang="en-US"/>
               <a:t>Edit Master text styles</a:t>
             </a:r>
           </a:p>
           <a:p>
             <a:pPr lvl="1"/>
             <a:r>
-              <a:rPr lang="en-US" smtClean="0"/>
+              <a:rPr lang="en-US"/>
               <a:t>Second level</a:t>
             </a:r>
           </a:p>
           <a:p>
             <a:pPr lvl="2"/>
             <a:r>
-              <a:rPr lang="en-US" smtClean="0"/>
+              <a:rPr lang="en-US"/>
               <a:t>Third level</a:t>
             </a:r>
           </a:p>
           <a:p>
             <a:pPr lvl="3"/>
             <a:r>
-              <a:rPr lang="en-US" smtClean="0"/>
+              <a:rPr lang="en-US"/>
               <a:t>Fourth level</a:t>
             </a:r>
           </a:p>
           <a:p>
             <a:pPr lvl="4"/>
             <a:r>
-              <a:rPr lang="en-US" smtClean="0"/>
+              <a:rPr lang="en-US"/>
               <a:t>Fifth level</a:t>
             </a:r>
             <a:endParaRPr lang="en-GB"/>
@@ -1177,7 +1187,7 @@
           </a:lstStyle>
           <a:p>
             <a:r>
-              <a:rPr lang="en-US" smtClean="0"/>
+              <a:rPr lang="en-US"/>
               <a:t>Click to edit Master title style</a:t>
             </a:r>
             <a:endParaRPr lang="en-GB"/>
@@ -1242,7 +1252,7 @@
           </a:lstStyle>
           <a:p>
             <a:r>
-              <a:rPr lang="en-US" smtClean="0"/>
+              <a:rPr lang="en-US"/>
               <a:t>Click to edit Master subtitle style</a:t>
             </a:r>
             <a:endParaRPr lang="en-GB"/>
@@ -1369,7 +1379,7 @@
           <a:lstStyle/>
           <a:p>
             <a:r>
-              <a:rPr lang="en-US" smtClean="0"/>
+              <a:rPr lang="en-US"/>
               <a:t>Click to edit Master title style</a:t>
             </a:r>
             <a:endParaRPr lang="en-GB"/>
@@ -1393,35 +1403,35 @@
           <a:p>
             <a:pPr lvl="0"/>
             <a:r>
-              <a:rPr lang="en-US" smtClean="0"/>
+              <a:rPr lang="en-US"/>
               <a:t>Edit Master text styles</a:t>
             </a:r>
           </a:p>
           <a:p>
             <a:pPr lvl="1"/>
             <a:r>
-              <a:rPr lang="en-US" smtClean="0"/>
+              <a:rPr lang="en-US"/>
               <a:t>Second level</a:t>
             </a:r>
           </a:p>
           <a:p>
             <a:pPr lvl="2"/>
             <a:r>
-              <a:rPr lang="en-US" smtClean="0"/>
+              <a:rPr lang="en-US"/>
               <a:t>Third level</a:t>
             </a:r>
           </a:p>
           <a:p>
             <a:pPr lvl="3"/>
             <a:r>
-              <a:rPr lang="en-US" smtClean="0"/>
+              <a:rPr lang="en-US"/>
               <a:t>Fourth level</a:t>
             </a:r>
           </a:p>
           <a:p>
             <a:pPr lvl="4"/>
             <a:r>
-              <a:rPr lang="en-US" smtClean="0"/>
+              <a:rPr lang="en-US"/>
               <a:t>Fifth level</a:t>
             </a:r>
             <a:endParaRPr lang="en-GB"/>
@@ -1557,7 +1567,7 @@
           </a:lstStyle>
           <a:p>
             <a:r>
-              <a:rPr lang="en-US" smtClean="0"/>
+              <a:rPr lang="en-US"/>
               <a:t>Click to edit Master title style</a:t>
             </a:r>
             <a:endParaRPr lang="en-GB"/>
@@ -1623,7 +1633,7 @@
           <a:p>
             <a:pPr lvl="0"/>
             <a:r>
-              <a:rPr lang="en-US" smtClean="0"/>
+              <a:rPr lang="en-US"/>
               <a:t>Edit Master text styles</a:t>
             </a:r>
           </a:p>
@@ -1749,7 +1759,7 @@
           <a:lstStyle/>
           <a:p>
             <a:r>
-              <a:rPr lang="en-US" smtClean="0"/>
+              <a:rPr lang="en-US"/>
               <a:t>Click to edit Master title style</a:t>
             </a:r>
             <a:endParaRPr lang="en-GB"/>
@@ -1778,35 +1788,35 @@
           <a:p>
             <a:pPr lvl="0"/>
             <a:r>
-              <a:rPr lang="en-US" smtClean="0"/>
+              <a:rPr lang="en-US"/>
               <a:t>Edit Master text styles</a:t>
             </a:r>
           </a:p>
           <a:p>
             <a:pPr lvl="1"/>
             <a:r>
-              <a:rPr lang="en-US" smtClean="0"/>
+              <a:rPr lang="en-US"/>
               <a:t>Second level</a:t>
             </a:r>
           </a:p>
           <a:p>
             <a:pPr lvl="2"/>
             <a:r>
-              <a:rPr lang="en-US" smtClean="0"/>
+              <a:rPr lang="en-US"/>
               <a:t>Third level</a:t>
             </a:r>
           </a:p>
           <a:p>
             <a:pPr lvl="3"/>
             <a:r>
-              <a:rPr lang="en-US" smtClean="0"/>
+              <a:rPr lang="en-US"/>
               <a:t>Fourth level</a:t>
             </a:r>
           </a:p>
           <a:p>
             <a:pPr lvl="4"/>
             <a:r>
-              <a:rPr lang="en-US" smtClean="0"/>
+              <a:rPr lang="en-US"/>
               <a:t>Fifth level</a:t>
             </a:r>
             <a:endParaRPr lang="en-GB"/>
@@ -1835,35 +1845,35 @@
           <a:p>
             <a:pPr lvl="0"/>
             <a:r>
-              <a:rPr lang="en-US" smtClean="0"/>
+              <a:rPr lang="en-US"/>
               <a:t>Edit Master text styles</a:t>
             </a:r>
           </a:p>
           <a:p>
             <a:pPr lvl="1"/>
             <a:r>
-              <a:rPr lang="en-US" smtClean="0"/>
+              <a:rPr lang="en-US"/>
               <a:t>Second level</a:t>
             </a:r>
           </a:p>
           <a:p>
             <a:pPr lvl="2"/>
             <a:r>
-              <a:rPr lang="en-US" smtClean="0"/>
+              <a:rPr lang="en-US"/>
               <a:t>Third level</a:t>
             </a:r>
           </a:p>
           <a:p>
             <a:pPr lvl="3"/>
             <a:r>
-              <a:rPr lang="en-US" smtClean="0"/>
+              <a:rPr lang="en-US"/>
               <a:t>Fourth level</a:t>
             </a:r>
           </a:p>
           <a:p>
             <a:pPr lvl="4"/>
             <a:r>
-              <a:rPr lang="en-US" smtClean="0"/>
+              <a:rPr lang="en-US"/>
               <a:t>Fifth level</a:t>
             </a:r>
             <a:endParaRPr lang="en-GB"/>
@@ -1995,7 +2005,7 @@
           <a:lstStyle/>
           <a:p>
             <a:r>
-              <a:rPr lang="en-US" smtClean="0"/>
+              <a:rPr lang="en-US"/>
               <a:t>Click to edit Master title style</a:t>
             </a:r>
             <a:endParaRPr lang="en-GB"/>
@@ -2061,7 +2071,7 @@
           <a:p>
             <a:pPr lvl="0"/>
             <a:r>
-              <a:rPr lang="en-US" smtClean="0"/>
+              <a:rPr lang="en-US"/>
               <a:t>Edit Master text styles</a:t>
             </a:r>
           </a:p>
@@ -2089,35 +2099,35 @@
           <a:p>
             <a:pPr lvl="0"/>
             <a:r>
-              <a:rPr lang="en-US" smtClean="0"/>
+              <a:rPr lang="en-US"/>
               <a:t>Edit Master text styles</a:t>
             </a:r>
           </a:p>
           <a:p>
             <a:pPr lvl="1"/>
             <a:r>
-              <a:rPr lang="en-US" smtClean="0"/>
+              <a:rPr lang="en-US"/>
               <a:t>Second level</a:t>
             </a:r>
           </a:p>
           <a:p>
             <a:pPr lvl="2"/>
             <a:r>
-              <a:rPr lang="en-US" smtClean="0"/>
+              <a:rPr lang="en-US"/>
               <a:t>Third level</a:t>
             </a:r>
           </a:p>
           <a:p>
             <a:pPr lvl="3"/>
             <a:r>
-              <a:rPr lang="en-US" smtClean="0"/>
+              <a:rPr lang="en-US"/>
               <a:t>Fourth level</a:t>
             </a:r>
           </a:p>
           <a:p>
             <a:pPr lvl="4"/>
             <a:r>
-              <a:rPr lang="en-US" smtClean="0"/>
+              <a:rPr lang="en-US"/>
               <a:t>Fifth level</a:t>
             </a:r>
             <a:endParaRPr lang="en-GB"/>
@@ -2183,7 +2193,7 @@
           <a:p>
             <a:pPr lvl="0"/>
             <a:r>
-              <a:rPr lang="en-US" smtClean="0"/>
+              <a:rPr lang="en-US"/>
               <a:t>Edit Master text styles</a:t>
             </a:r>
           </a:p>
@@ -2211,35 +2221,35 @@
           <a:p>
             <a:pPr lvl="0"/>
             <a:r>
-              <a:rPr lang="en-US" smtClean="0"/>
+              <a:rPr lang="en-US"/>
               <a:t>Edit Master text styles</a:t>
             </a:r>
           </a:p>
           <a:p>
             <a:pPr lvl="1"/>
             <a:r>
-              <a:rPr lang="en-US" smtClean="0"/>
+              <a:rPr lang="en-US"/>
               <a:t>Second level</a:t>
             </a:r>
           </a:p>
           <a:p>
             <a:pPr lvl="2"/>
             <a:r>
-              <a:rPr lang="en-US" smtClean="0"/>
+              <a:rPr lang="en-US"/>
               <a:t>Third level</a:t>
             </a:r>
           </a:p>
           <a:p>
             <a:pPr lvl="3"/>
             <a:r>
-              <a:rPr lang="en-US" smtClean="0"/>
+              <a:rPr lang="en-US"/>
               <a:t>Fourth level</a:t>
             </a:r>
           </a:p>
           <a:p>
             <a:pPr lvl="4"/>
             <a:r>
-              <a:rPr lang="en-US" smtClean="0"/>
+              <a:rPr lang="en-US"/>
               <a:t>Fifth level</a:t>
             </a:r>
             <a:endParaRPr lang="en-GB"/>
@@ -2366,7 +2376,7 @@
           <a:lstStyle/>
           <a:p>
             <a:r>
-              <a:rPr lang="en-US" smtClean="0"/>
+              <a:rPr lang="en-US"/>
               <a:t>Click to edit Master title style</a:t>
             </a:r>
             <a:endParaRPr lang="en-GB"/>
@@ -2606,7 +2616,7 @@
           </a:lstStyle>
           <a:p>
             <a:r>
-              <a:rPr lang="en-US" smtClean="0"/>
+              <a:rPr lang="en-US"/>
               <a:t>Click to edit Master title style</a:t>
             </a:r>
             <a:endParaRPr lang="en-GB"/>
@@ -2663,35 +2673,35 @@
           <a:p>
             <a:pPr lvl="0"/>
             <a:r>
-              <a:rPr lang="en-US" smtClean="0"/>
+              <a:rPr lang="en-US"/>
               <a:t>Edit Master text styles</a:t>
             </a:r>
           </a:p>
           <a:p>
             <a:pPr lvl="1"/>
             <a:r>
-              <a:rPr lang="en-US" smtClean="0"/>
+              <a:rPr lang="en-US"/>
               <a:t>Second level</a:t>
             </a:r>
           </a:p>
           <a:p>
             <a:pPr lvl="2"/>
             <a:r>
-              <a:rPr lang="en-US" smtClean="0"/>
+              <a:rPr lang="en-US"/>
               <a:t>Third level</a:t>
             </a:r>
           </a:p>
           <a:p>
             <a:pPr lvl="3"/>
             <a:r>
-              <a:rPr lang="en-US" smtClean="0"/>
+              <a:rPr lang="en-US"/>
               <a:t>Fourth level</a:t>
             </a:r>
           </a:p>
           <a:p>
             <a:pPr lvl="4"/>
             <a:r>
-              <a:rPr lang="en-US" smtClean="0"/>
+              <a:rPr lang="en-US"/>
               <a:t>Fifth level</a:t>
             </a:r>
             <a:endParaRPr lang="en-GB"/>
@@ -2757,7 +2767,7 @@
           <a:p>
             <a:pPr lvl="0"/>
             <a:r>
-              <a:rPr lang="en-US" smtClean="0"/>
+              <a:rPr lang="en-US"/>
               <a:t>Edit Master text styles</a:t>
             </a:r>
           </a:p>
@@ -2883,7 +2893,7 @@
           <a:lstStyle/>
           <a:p>
             <a:r>
-              <a:rPr lang="en-US" smtClean="0"/>
+              <a:rPr lang="en-US"/>
               <a:t>Click to edit Master title style</a:t>
             </a:r>
             <a:endParaRPr lang="en-GB"/>
@@ -2907,35 +2917,35 @@
           <a:p>
             <a:pPr lvl="0"/>
             <a:r>
-              <a:rPr lang="en-US" smtClean="0"/>
+              <a:rPr lang="en-US"/>
               <a:t>Edit Master text styles</a:t>
             </a:r>
           </a:p>
           <a:p>
             <a:pPr lvl="1"/>
             <a:r>
-              <a:rPr lang="en-US" smtClean="0"/>
+              <a:rPr lang="en-US"/>
               <a:t>Second level</a:t>
             </a:r>
           </a:p>
           <a:p>
             <a:pPr lvl="2"/>
             <a:r>
-              <a:rPr lang="en-US" smtClean="0"/>
+              <a:rPr lang="en-US"/>
               <a:t>Third level</a:t>
             </a:r>
           </a:p>
           <a:p>
             <a:pPr lvl="3"/>
             <a:r>
-              <a:rPr lang="en-US" smtClean="0"/>
+              <a:rPr lang="en-US"/>
               <a:t>Fourth level</a:t>
             </a:r>
           </a:p>
           <a:p>
             <a:pPr lvl="4"/>
             <a:r>
-              <a:rPr lang="en-US" smtClean="0"/>
+              <a:rPr lang="en-US"/>
               <a:t>Fifth level</a:t>
             </a:r>
             <a:endParaRPr lang="en-GB"/>
@@ -2997,7 +3007,7 @@
           </a:lstStyle>
           <a:p>
             <a:r>
-              <a:rPr lang="en-US" smtClean="0"/>
+              <a:rPr lang="en-US"/>
               <a:t>Click to edit Master title style</a:t>
             </a:r>
             <a:endParaRPr lang="en-GB"/>
@@ -3124,7 +3134,7 @@
           <a:p>
             <a:pPr lvl="0"/>
             <a:r>
-              <a:rPr lang="en-US" smtClean="0"/>
+              <a:rPr lang="en-US"/>
               <a:t>Edit Master text styles</a:t>
             </a:r>
           </a:p>
@@ -3250,7 +3260,7 @@
           <a:lstStyle/>
           <a:p>
             <a:r>
-              <a:rPr lang="en-US" smtClean="0"/>
+              <a:rPr lang="en-US"/>
               <a:t>Click to edit Master title style</a:t>
             </a:r>
             <a:endParaRPr lang="en-GB"/>
@@ -3274,35 +3284,35 @@
           <a:p>
             <a:pPr lvl="0"/>
             <a:r>
-              <a:rPr lang="en-US" smtClean="0"/>
+              <a:rPr lang="en-US"/>
               <a:t>Edit Master text styles</a:t>
             </a:r>
           </a:p>
           <a:p>
             <a:pPr lvl="1"/>
             <a:r>
-              <a:rPr lang="en-US" smtClean="0"/>
+              <a:rPr lang="en-US"/>
               <a:t>Second level</a:t>
             </a:r>
           </a:p>
           <a:p>
             <a:pPr lvl="2"/>
             <a:r>
-              <a:rPr lang="en-US" smtClean="0"/>
+              <a:rPr lang="en-US"/>
               <a:t>Third level</a:t>
             </a:r>
           </a:p>
           <a:p>
             <a:pPr lvl="3"/>
             <a:r>
-              <a:rPr lang="en-US" smtClean="0"/>
+              <a:rPr lang="en-US"/>
               <a:t>Fourth level</a:t>
             </a:r>
           </a:p>
           <a:p>
             <a:pPr lvl="4"/>
             <a:r>
-              <a:rPr lang="en-US" smtClean="0"/>
+              <a:rPr lang="en-US"/>
               <a:t>Fifth level</a:t>
             </a:r>
             <a:endParaRPr lang="en-GB"/>
@@ -3434,7 +3444,7 @@
           <a:lstStyle/>
           <a:p>
             <a:r>
-              <a:rPr lang="en-US" smtClean="0"/>
+              <a:rPr lang="en-US"/>
               <a:t>Click to edit Master title style</a:t>
             </a:r>
             <a:endParaRPr lang="en-GB"/>
@@ -3463,35 +3473,35 @@
           <a:p>
             <a:pPr lvl="0"/>
             <a:r>
-              <a:rPr lang="en-US" smtClean="0"/>
+              <a:rPr lang="en-US"/>
               <a:t>Edit Master text styles</a:t>
             </a:r>
           </a:p>
           <a:p>
             <a:pPr lvl="1"/>
             <a:r>
-              <a:rPr lang="en-US" smtClean="0"/>
+              <a:rPr lang="en-US"/>
               <a:t>Second level</a:t>
             </a:r>
           </a:p>
           <a:p>
             <a:pPr lvl="2"/>
             <a:r>
-              <a:rPr lang="en-US" smtClean="0"/>
+              <a:rPr lang="en-US"/>
               <a:t>Third level</a:t>
             </a:r>
           </a:p>
           <a:p>
             <a:pPr lvl="3"/>
             <a:r>
-              <a:rPr lang="en-US" smtClean="0"/>
+              <a:rPr lang="en-US"/>
               <a:t>Fourth level</a:t>
             </a:r>
           </a:p>
           <a:p>
             <a:pPr lvl="4"/>
             <a:r>
-              <a:rPr lang="en-US" smtClean="0"/>
+              <a:rPr lang="en-US"/>
               <a:t>Fifth level</a:t>
             </a:r>
             <a:endParaRPr lang="en-GB"/>
@@ -3627,7 +3637,7 @@
           </a:lstStyle>
           <a:p>
             <a:r>
-              <a:rPr lang="en-US" smtClean="0"/>
+              <a:rPr lang="en-US"/>
               <a:t>Click to edit Master title style</a:t>
             </a:r>
             <a:endParaRPr lang="en-GB"/>
@@ -3693,7 +3703,7 @@
           <a:p>
             <a:pPr lvl="0"/>
             <a:r>
-              <a:rPr lang="en-US" smtClean="0"/>
+              <a:rPr lang="en-US"/>
               <a:t>Edit Master text styles</a:t>
             </a:r>
           </a:p>
@@ -3745,7 +3755,7 @@
           <a:lstStyle/>
           <a:p>
             <a:r>
-              <a:rPr lang="en-US" smtClean="0"/>
+              <a:rPr lang="en-US"/>
               <a:t>Click to edit Master title style</a:t>
             </a:r>
             <a:endParaRPr lang="en-GB"/>
@@ -3774,35 +3784,35 @@
           <a:p>
             <a:pPr lvl="0"/>
             <a:r>
-              <a:rPr lang="en-US" smtClean="0"/>
+              <a:rPr lang="en-US"/>
               <a:t>Edit Master text styles</a:t>
             </a:r>
           </a:p>
           <a:p>
             <a:pPr lvl="1"/>
             <a:r>
-              <a:rPr lang="en-US" smtClean="0"/>
+              <a:rPr lang="en-US"/>
               <a:t>Second level</a:t>
             </a:r>
           </a:p>
           <a:p>
             <a:pPr lvl="2"/>
             <a:r>
-              <a:rPr lang="en-US" smtClean="0"/>
+              <a:rPr lang="en-US"/>
               <a:t>Third level</a:t>
             </a:r>
           </a:p>
           <a:p>
             <a:pPr lvl="3"/>
             <a:r>
-              <a:rPr lang="en-US" smtClean="0"/>
+              <a:rPr lang="en-US"/>
               <a:t>Fourth level</a:t>
             </a:r>
           </a:p>
           <a:p>
             <a:pPr lvl="4"/>
             <a:r>
-              <a:rPr lang="en-US" smtClean="0"/>
+              <a:rPr lang="en-US"/>
               <a:t>Fifth level</a:t>
             </a:r>
             <a:endParaRPr lang="en-GB"/>
@@ -3831,35 +3841,35 @@
           <a:p>
             <a:pPr lvl="0"/>
             <a:r>
-              <a:rPr lang="en-US" smtClean="0"/>
+              <a:rPr lang="en-US"/>
               <a:t>Edit Master text styles</a:t>
             </a:r>
           </a:p>
           <a:p>
             <a:pPr lvl="1"/>
             <a:r>
-              <a:rPr lang="en-US" smtClean="0"/>
+              <a:rPr lang="en-US"/>
               <a:t>Second level</a:t>
             </a:r>
           </a:p>
           <a:p>
             <a:pPr lvl="2"/>
             <a:r>
-              <a:rPr lang="en-US" smtClean="0"/>
+              <a:rPr lang="en-US"/>
               <a:t>Third level</a:t>
             </a:r>
           </a:p>
           <a:p>
             <a:pPr lvl="3"/>
             <a:r>
-              <a:rPr lang="en-US" smtClean="0"/>
+              <a:rPr lang="en-US"/>
               <a:t>Fourth level</a:t>
             </a:r>
           </a:p>
           <a:p>
             <a:pPr lvl="4"/>
             <a:r>
-              <a:rPr lang="en-US" smtClean="0"/>
+              <a:rPr lang="en-US"/>
               <a:t>Fifth level</a:t>
             </a:r>
             <a:endParaRPr lang="en-GB"/>
@@ -3917,7 +3927,7 @@
           <a:lstStyle/>
           <a:p>
             <a:r>
-              <a:rPr lang="en-US" smtClean="0"/>
+              <a:rPr lang="en-US"/>
               <a:t>Click to edit Master title style</a:t>
             </a:r>
             <a:endParaRPr lang="en-GB"/>
@@ -3983,7 +3993,7 @@
           <a:p>
             <a:pPr lvl="0"/>
             <a:r>
-              <a:rPr lang="en-US" smtClean="0"/>
+              <a:rPr lang="en-US"/>
               <a:t>Edit Master text styles</a:t>
             </a:r>
           </a:p>
@@ -4011,35 +4021,35 @@
           <a:p>
             <a:pPr lvl="0"/>
             <a:r>
-              <a:rPr lang="en-US" smtClean="0"/>
+              <a:rPr lang="en-US"/>
               <a:t>Edit Master text styles</a:t>
             </a:r>
           </a:p>
           <a:p>
             <a:pPr lvl="1"/>
             <a:r>
-              <a:rPr lang="en-US" smtClean="0"/>
+              <a:rPr lang="en-US"/>
               <a:t>Second level</a:t>
             </a:r>
           </a:p>
           <a:p>
             <a:pPr lvl="2"/>
             <a:r>
-              <a:rPr lang="en-US" smtClean="0"/>
+              <a:rPr lang="en-US"/>
               <a:t>Third level</a:t>
             </a:r>
           </a:p>
           <a:p>
             <a:pPr lvl="3"/>
             <a:r>
-              <a:rPr lang="en-US" smtClean="0"/>
+              <a:rPr lang="en-US"/>
               <a:t>Fourth level</a:t>
             </a:r>
           </a:p>
           <a:p>
             <a:pPr lvl="4"/>
             <a:r>
-              <a:rPr lang="en-US" smtClean="0"/>
+              <a:rPr lang="en-US"/>
               <a:t>Fifth level</a:t>
             </a:r>
             <a:endParaRPr lang="en-GB"/>
@@ -4105,7 +4115,7 @@
           <a:p>
             <a:pPr lvl="0"/>
             <a:r>
-              <a:rPr lang="en-US" smtClean="0"/>
+              <a:rPr lang="en-US"/>
               <a:t>Edit Master text styles</a:t>
             </a:r>
           </a:p>
@@ -4133,35 +4143,35 @@
           <a:p>
             <a:pPr lvl="0"/>
             <a:r>
-              <a:rPr lang="en-US" smtClean="0"/>
+              <a:rPr lang="en-US"/>
               <a:t>Edit Master text styles</a:t>
             </a:r>
           </a:p>
           <a:p>
             <a:pPr lvl="1"/>
             <a:r>
-              <a:rPr lang="en-US" smtClean="0"/>
+              <a:rPr lang="en-US"/>
               <a:t>Second level</a:t>
             </a:r>
           </a:p>
           <a:p>
             <a:pPr lvl="2"/>
             <a:r>
-              <a:rPr lang="en-US" smtClean="0"/>
+              <a:rPr lang="en-US"/>
               <a:t>Third level</a:t>
             </a:r>
           </a:p>
           <a:p>
             <a:pPr lvl="3"/>
             <a:r>
-              <a:rPr lang="en-US" smtClean="0"/>
+              <a:rPr lang="en-US"/>
               <a:t>Fourth level</a:t>
             </a:r>
           </a:p>
           <a:p>
             <a:pPr lvl="4"/>
             <a:r>
-              <a:rPr lang="en-US" smtClean="0"/>
+              <a:rPr lang="en-US"/>
               <a:t>Fifth level</a:t>
             </a:r>
             <a:endParaRPr lang="en-GB"/>
@@ -4214,7 +4224,7 @@
           <a:lstStyle/>
           <a:p>
             <a:r>
-              <a:rPr lang="en-US" smtClean="0"/>
+              <a:rPr lang="en-US"/>
               <a:t>Click to edit Master title style</a:t>
             </a:r>
             <a:endParaRPr lang="en-GB"/>
@@ -4306,7 +4316,7 @@
           </a:lstStyle>
           <a:p>
             <a:r>
-              <a:rPr lang="en-US" smtClean="0"/>
+              <a:rPr lang="en-US"/>
               <a:t>Click to edit Master title style</a:t>
             </a:r>
             <a:endParaRPr lang="en-GB"/>
@@ -4363,35 +4373,35 @@
           <a:p>
             <a:pPr lvl="0"/>
             <a:r>
-              <a:rPr lang="en-US" smtClean="0"/>
+              <a:rPr lang="en-US"/>
               <a:t>Edit Master text styles</a:t>
             </a:r>
           </a:p>
           <a:p>
             <a:pPr lvl="1"/>
             <a:r>
-              <a:rPr lang="en-US" smtClean="0"/>
+              <a:rPr lang="en-US"/>
               <a:t>Second level</a:t>
             </a:r>
           </a:p>
           <a:p>
             <a:pPr lvl="2"/>
             <a:r>
-              <a:rPr lang="en-US" smtClean="0"/>
+              <a:rPr lang="en-US"/>
               <a:t>Third level</a:t>
             </a:r>
           </a:p>
           <a:p>
             <a:pPr lvl="3"/>
             <a:r>
-              <a:rPr lang="en-US" smtClean="0"/>
+              <a:rPr lang="en-US"/>
               <a:t>Fourth level</a:t>
             </a:r>
           </a:p>
           <a:p>
             <a:pPr lvl="4"/>
             <a:r>
-              <a:rPr lang="en-US" smtClean="0"/>
+              <a:rPr lang="en-US"/>
               <a:t>Fifth level</a:t>
             </a:r>
             <a:endParaRPr lang="en-GB"/>
@@ -4457,7 +4467,7 @@
           <a:p>
             <a:pPr lvl="0"/>
             <a:r>
-              <a:rPr lang="en-US" smtClean="0"/>
+              <a:rPr lang="en-US"/>
               <a:t>Edit Master text styles</a:t>
             </a:r>
           </a:p>
@@ -4518,7 +4528,7 @@
           </a:lstStyle>
           <a:p>
             <a:r>
-              <a:rPr lang="en-US" smtClean="0"/>
+              <a:rPr lang="en-US"/>
               <a:t>Click to edit Master title style</a:t>
             </a:r>
             <a:endParaRPr lang="en-GB"/>
@@ -4583,7 +4593,7 @@
           </a:lstStyle>
           <a:p>
             <a:r>
-              <a:rPr lang="en-US" smtClean="0"/>
+              <a:rPr lang="en-US"/>
               <a:t>Click icon to add picture</a:t>
             </a:r>
             <a:endParaRPr lang="en-GB"/>
@@ -4649,7 +4659,7 @@
           <a:p>
             <a:pPr lvl="0"/>
             <a:r>
-              <a:rPr lang="en-US" smtClean="0"/>
+              <a:rPr lang="en-US"/>
               <a:t>Edit Master text styles</a:t>
             </a:r>
           </a:p>
@@ -4759,10 +4769,10 @@
           <a:p>
             <a:pPr lvl="0"/>
             <a:r>
-              <a:rPr lang="en-US" altLang="en-US" smtClean="0"/>
+              <a:rPr lang="en-US" altLang="en-US"/>
               <a:t>Click to edit Master title style</a:t>
             </a:r>
-            <a:endParaRPr lang="ru-RU" altLang="en-US" smtClean="0"/>
+            <a:endParaRPr lang="ru-RU" altLang="en-US"/>
           </a:p>
         </p:txBody>
       </p:sp>
@@ -4828,38 +4838,38 @@
           <a:p>
             <a:pPr lvl="0"/>
             <a:r>
-              <a:rPr lang="en-US" altLang="en-US" smtClean="0"/>
+              <a:rPr lang="en-US" altLang="en-US"/>
               <a:t>Edit Master text styles</a:t>
             </a:r>
           </a:p>
           <a:p>
             <a:pPr lvl="1"/>
             <a:r>
-              <a:rPr lang="en-US" altLang="en-US" smtClean="0"/>
+              <a:rPr lang="en-US" altLang="en-US"/>
               <a:t>Second level</a:t>
             </a:r>
           </a:p>
           <a:p>
             <a:pPr lvl="2"/>
             <a:r>
-              <a:rPr lang="en-US" altLang="en-US" smtClean="0"/>
+              <a:rPr lang="en-US" altLang="en-US"/>
               <a:t>Third level</a:t>
             </a:r>
           </a:p>
           <a:p>
             <a:pPr lvl="3"/>
             <a:r>
-              <a:rPr lang="en-US" altLang="en-US" smtClean="0"/>
+              <a:rPr lang="en-US" altLang="en-US"/>
               <a:t>Fourth level</a:t>
             </a:r>
           </a:p>
           <a:p>
             <a:pPr lvl="4"/>
             <a:r>
-              <a:rPr lang="en-US" altLang="en-US" smtClean="0"/>
+              <a:rPr lang="en-US" altLang="en-US"/>
               <a:t>Fifth level</a:t>
             </a:r>
-            <a:endParaRPr lang="ru-RU" altLang="en-US" smtClean="0"/>
+            <a:endParaRPr lang="ru-RU" altLang="en-US"/>
           </a:p>
         </p:txBody>
       </p:sp>
@@ -5367,7 +5377,7 @@
           <a:p>
             <a:pPr lvl="0"/>
             <a:r>
-              <a:rPr lang="ru-RU" altLang="en-US" smtClean="0"/>
+              <a:rPr lang="ru-RU" altLang="en-US"/>
               <a:t>Click to edit Master title style</a:t>
             </a:r>
           </a:p>
@@ -5435,35 +5445,35 @@
           <a:p>
             <a:pPr lvl="0"/>
             <a:r>
-              <a:rPr lang="ru-RU" altLang="en-US" smtClean="0"/>
+              <a:rPr lang="ru-RU" altLang="en-US"/>
               <a:t>Click to edit Master text styles</a:t>
             </a:r>
           </a:p>
           <a:p>
             <a:pPr lvl="1"/>
             <a:r>
-              <a:rPr lang="ru-RU" altLang="en-US" smtClean="0"/>
+              <a:rPr lang="ru-RU" altLang="en-US"/>
               <a:t>Second level</a:t>
             </a:r>
           </a:p>
           <a:p>
             <a:pPr lvl="2"/>
             <a:r>
-              <a:rPr lang="ru-RU" altLang="en-US" smtClean="0"/>
+              <a:rPr lang="ru-RU" altLang="en-US"/>
               <a:t>Third level</a:t>
             </a:r>
           </a:p>
           <a:p>
             <a:pPr lvl="3"/>
             <a:r>
-              <a:rPr lang="ru-RU" altLang="en-US" smtClean="0"/>
+              <a:rPr lang="ru-RU" altLang="en-US"/>
               <a:t>Fourth level</a:t>
             </a:r>
           </a:p>
           <a:p>
             <a:pPr lvl="4"/>
             <a:r>
-              <a:rPr lang="ru-RU" altLang="en-US" smtClean="0"/>
+              <a:rPr lang="ru-RU" altLang="en-US"/>
               <a:t>Fifth level</a:t>
             </a:r>
           </a:p>
@@ -6137,17 +6147,13 @@
           <a:p>
             <a:r>
               <a:rPr lang="en-GB" b="1" dirty="0"/>
-              <a:t>Data Management Assignment </a:t>
-            </a:r>
-            <a:r>
-              <a:rPr lang="en-GB" b="1" dirty="0" smtClean="0"/>
-              <a:t>One</a:t>
+              <a:t>Data Management Assignment One</a:t>
             </a:r>
             <a:br>
-              <a:rPr lang="en-GB" b="1" dirty="0" smtClean="0"/>
+              <a:rPr lang="en-GB" b="1" dirty="0"/>
             </a:br>
             <a:r>
-              <a:rPr lang="en-GB" sz="2000" b="1" dirty="0" smtClean="0"/>
+              <a:rPr lang="en-GB" sz="2000" b="1" dirty="0"/>
               <a:t>Ethical concerns with commercial WatchList Management systems</a:t>
             </a:r>
             <a:endParaRPr lang="en-US" altLang="en-US" sz="2000" dirty="0"/>
@@ -6182,7 +6188,7 @@
               </a:spcBef>
             </a:pPr>
             <a:r>
-              <a:rPr lang="en-US" altLang="en-US" dirty="0" smtClean="0"/>
+              <a:rPr lang="en-US" altLang="en-US" dirty="0"/>
               <a:t>Ciaran Finnegan – TU060</a:t>
             </a:r>
           </a:p>
@@ -6193,10 +6199,9 @@
               </a:spcBef>
             </a:pPr>
             <a:r>
-              <a:rPr lang="en-US" altLang="en-US" dirty="0" smtClean="0"/>
+              <a:rPr lang="en-US" altLang="en-US" dirty="0"/>
               <a:t>Std No: d21124026</a:t>
             </a:r>
-            <a:endParaRPr lang="en-US" altLang="en-US" dirty="0"/>
           </a:p>
           <a:p>
             <a:pPr>
@@ -6213,13 +6218,6 @@
   <p:clrMapOvr>
     <a:masterClrMapping/>
   </p:clrMapOvr>
-  <p:timing>
-    <p:tnLst>
-      <p:par>
-        <p:cTn id="1" dur="indefinite" restart="never" nodeType="tmRoot"/>
-      </p:par>
-    </p:tnLst>
-  </p:timing>
 </p:sld>
 </file>
 
@@ -6252,8 +6250,8 @@
         </p:nvSpPr>
         <p:spPr>
           <a:xfrm>
-            <a:off x="539750" y="1196975"/>
-            <a:ext cx="8280400" cy="1008063"/>
+            <a:off x="107504" y="1700808"/>
+            <a:ext cx="8856984" cy="1440160"/>
           </a:xfrm>
         </p:spPr>
         <p:txBody>
@@ -6261,10 +6259,18 @@
           <a:lstStyle/>
           <a:p>
             <a:r>
-              <a:rPr lang="en-US" altLang="en-US"/>
-              <a:t>Second Page</a:t>
-            </a:r>
-            <a:endParaRPr lang="uk-UA" altLang="en-US"/>
+              <a:rPr lang="en-US" altLang="en-US" dirty="0"/>
+              <a:t>What is (Commercial) </a:t>
+            </a:r>
+            <a:r>
+              <a:rPr lang="en-US" altLang="en-US" dirty="0" err="1"/>
+              <a:t>WatchList</a:t>
+            </a:r>
+            <a:r>
+              <a:rPr lang="en-US" altLang="en-US" dirty="0"/>
+              <a:t> Management?</a:t>
+            </a:r>
+            <a:endParaRPr lang="uk-UA" altLang="en-US" dirty="0"/>
           </a:p>
         </p:txBody>
       </p:sp>
@@ -6280,8 +6286,8 @@
         </p:nvSpPr>
         <p:spPr>
           <a:xfrm>
-            <a:off x="539750" y="2276475"/>
-            <a:ext cx="8280400" cy="4189413"/>
+            <a:off x="539750" y="3140968"/>
+            <a:ext cx="8280400" cy="3324920"/>
           </a:xfrm>
         </p:spPr>
         <p:txBody>
@@ -6289,41 +6295,28 @@
           <a:lstStyle/>
           <a:p>
             <a:r>
-              <a:rPr lang="en-US" altLang="ko-KR">
-                <a:ea typeface="굴림" charset="-127"/>
-              </a:rPr>
-              <a:t>Your Text here</a:t>
-            </a:r>
-          </a:p>
-          <a:p>
-            <a:endParaRPr lang="en-US" altLang="ko-KR">
-              <a:ea typeface="굴림" charset="-127"/>
-            </a:endParaRPr>
-          </a:p>
-          <a:p>
-            <a:r>
-              <a:rPr lang="ru-RU" altLang="ko-KR">
+              <a:rPr lang="ru-RU" altLang="ko-KR" dirty="0">
                 <a:ea typeface="굴림" charset="-127"/>
               </a:rPr>
               <a:t>Lorem ipsum dolor sit amet, consectetuer adipiscing elit, sed diam nonummy nibh euismod tincidunt ut laoreet dolore magna aliquam erat volutpat. Ut wisi enim ad minim veniam, quis nostrud exerci tation ullamcorper suscipit lobortis nisl ut aliquip ex ea commodo consequat. </a:t>
             </a:r>
-            <a:endParaRPr lang="en-US" altLang="ko-KR">
+            <a:endParaRPr lang="en-US" altLang="ko-KR" dirty="0">
               <a:ea typeface="굴림" charset="-127"/>
             </a:endParaRPr>
           </a:p>
           <a:p>
-            <a:endParaRPr lang="en-US" altLang="ko-KR">
+            <a:endParaRPr lang="en-US" altLang="ko-KR" dirty="0">
               <a:ea typeface="굴림" charset="-127"/>
             </a:endParaRPr>
           </a:p>
           <a:p>
             <a:r>
-              <a:rPr lang="ru-RU" altLang="ko-KR">
+              <a:rPr lang="ru-RU" altLang="ko-KR" dirty="0">
                 <a:ea typeface="굴림" charset="-127"/>
               </a:rPr>
               <a:t>Duis autem vel eum iriure dolor in hendrerit in vulputate velit esse molestie consequat, vel illum dolore eu feugiat nulla facilisis at vero eros et accumsan et iusto odio dignissim qui blandit praesent luptatum zzril delenit augue duis dolore te feugait nulla facilisi. </a:t>
             </a:r>
-            <a:endParaRPr lang="uk-UA" altLang="en-US"/>
+            <a:endParaRPr lang="uk-UA" altLang="en-US" dirty="0"/>
           </a:p>
         </p:txBody>
       </p:sp>
@@ -6332,13 +6325,6 @@
   <p:clrMapOvr>
     <a:masterClrMapping/>
   </p:clrMapOvr>
-  <p:timing>
-    <p:tnLst>
-      <p:par>
-        <p:cTn id="1" dur="indefinite" restart="never" nodeType="tmRoot"/>
-      </p:par>
-    </p:tnLst>
-  </p:timing>
 </p:sld>
 </file>
 
@@ -6371,7 +6357,7 @@
         </p:nvSpPr>
         <p:spPr>
           <a:xfrm>
-            <a:off x="1908175" y="274638"/>
+            <a:off x="1918925" y="692696"/>
             <a:ext cx="6911975" cy="777875"/>
           </a:xfrm>
         </p:spPr>
@@ -6380,9 +6366,10 @@
           <a:lstStyle/>
           <a:p>
             <a:r>
-              <a:rPr lang="en-US" altLang="en-US"/>
-              <a:t>Click to add title</a:t>
-            </a:r>
+              <a:rPr lang="en-GB" dirty="0"/>
+              <a:t>Conduct desk research to identify the critical issues for ethics, data governance and data privacy in that domain. </a:t>
+            </a:r>
+            <a:endParaRPr lang="en-US" altLang="en-US" dirty="0"/>
           </a:p>
         </p:txBody>
       </p:sp>
@@ -6398,8 +6385,8 @@
         </p:nvSpPr>
         <p:spPr>
           <a:xfrm>
-            <a:off x="1908175" y="1341438"/>
-            <a:ext cx="6911975" cy="5183187"/>
+            <a:off x="1918926" y="2780928"/>
+            <a:ext cx="6911975" cy="3887762"/>
           </a:xfrm>
         </p:spPr>
         <p:txBody>
@@ -6412,11 +6399,14 @@
               </a:lnSpc>
             </a:pPr>
             <a:r>
-              <a:rPr lang="en-US" altLang="ko-KR">
+              <a:rPr lang="ru-RU" altLang="ko-KR" dirty="0">
                 <a:ea typeface="굴림" charset="-127"/>
               </a:rPr>
-              <a:t>Your Text here</a:t>
-            </a:r>
+              <a:t>Lorem ipsum dolor sit amet, consectetuer adipiscing elit, sed diam nonummy nibh euismod tincidunt ut laoreet dolore magna aliquam erat volutpat. Ut wisi enim ad minim veniam, quis nostrud exerci tation ullamcorper suscipit lobortis nisl ut aliquip ex ea commodo consequat. </a:t>
+            </a:r>
+            <a:endParaRPr lang="en-US" altLang="ko-KR" dirty="0">
+              <a:ea typeface="굴림" charset="-127"/>
+            </a:endParaRPr>
           </a:p>
           <a:p>
             <a:pPr>
@@ -6424,7 +6414,7 @@
                 <a:spcPct val="90000"/>
               </a:lnSpc>
             </a:pPr>
-            <a:endParaRPr lang="en-US" altLang="ko-KR">
+            <a:endParaRPr lang="en-US" altLang="ko-KR" dirty="0">
               <a:ea typeface="굴림" charset="-127"/>
             </a:endParaRPr>
           </a:p>
@@ -6435,14 +6425,12 @@
               </a:lnSpc>
             </a:pPr>
             <a:r>
-              <a:rPr lang="ru-RU" altLang="ko-KR">
+              <a:rPr lang="ru-RU" altLang="ko-KR" dirty="0">
                 <a:ea typeface="굴림" charset="-127"/>
               </a:rPr>
-              <a:t>Lorem ipsum dolor sit amet, consectetuer adipiscing elit, sed diam nonummy nibh euismod tincidunt ut laoreet dolore magna aliquam erat volutpat. Ut wisi enim ad minim veniam, quis nostrud exerci tation ullamcorper suscipit lobortis nisl ut aliquip ex ea commodo consequat. </a:t>
-            </a:r>
-            <a:endParaRPr lang="en-US" altLang="ko-KR">
-              <a:ea typeface="굴림" charset="-127"/>
-            </a:endParaRPr>
+              <a:t>Duis autem vel eum iriure dolor in hendrerit in vulputate velit esse molestie consequat, vel illum dolore eu feugiat nulla facilisis at vero eros et accumsan et iusto odio dignissim qui blandit praesent luptatum zzril delenit augue duis dolore te feugait nulla facilisi. </a:t>
+            </a:r>
+            <a:endParaRPr lang="uk-UA" altLang="en-US" dirty="0"/>
           </a:p>
           <a:p>
             <a:pPr>
@@ -6450,10 +6438,82 @@
                 <a:spcPct val="90000"/>
               </a:lnSpc>
             </a:pPr>
-            <a:endParaRPr lang="en-US" altLang="ko-KR">
-              <a:ea typeface="굴림" charset="-127"/>
-            </a:endParaRPr>
-          </a:p>
+            <a:endParaRPr lang="en-US" altLang="en-US" dirty="0"/>
+          </a:p>
+        </p:txBody>
+      </p:sp>
+    </p:spTree>
+  </p:cSld>
+  <p:clrMapOvr>
+    <a:masterClrMapping/>
+  </p:clrMapOvr>
+</p:sld>
+</file>
+
+<file path=ppt/slides/slide4.xml><?xml version="1.0" encoding="utf-8"?>
+<p:sld xmlns:a="http://schemas.openxmlformats.org/drawingml/2006/main" xmlns:r="http://schemas.openxmlformats.org/officeDocument/2006/relationships" xmlns:p="http://schemas.openxmlformats.org/presentationml/2006/main">
+  <p:cSld>
+    <p:spTree>
+      <p:nvGrpSpPr>
+        <p:cNvPr id="1" name=""/>
+        <p:cNvGrpSpPr/>
+        <p:nvPr/>
+      </p:nvGrpSpPr>
+      <p:grpSpPr>
+        <a:xfrm>
+          <a:off x="0" y="0"/>
+          <a:ext cx="0" cy="0"/>
+          <a:chOff x="0" y="0"/>
+          <a:chExt cx="0" cy="0"/>
+        </a:xfrm>
+      </p:grpSpPr>
+      <p:sp>
+        <p:nvSpPr>
+          <p:cNvPr id="195586" name="Rectangle 2"/>
+          <p:cNvSpPr>
+            <a:spLocks noGrp="1" noChangeArrowheads="1"/>
+          </p:cNvSpPr>
+          <p:nvPr>
+            <p:ph type="title"/>
+          </p:nvPr>
+        </p:nvSpPr>
+        <p:spPr>
+          <a:xfrm>
+            <a:off x="1918925" y="692696"/>
+            <a:ext cx="6911975" cy="777875"/>
+          </a:xfrm>
+        </p:spPr>
+        <p:txBody>
+          <a:bodyPr/>
+          <a:lstStyle/>
+          <a:p>
+            <a:r>
+              <a:rPr lang="en-GB" dirty="0"/>
+              <a:t>Identify one application, product or service within your chosen domain. </a:t>
+            </a:r>
+            <a:endParaRPr lang="en-US" altLang="en-US" dirty="0"/>
+          </a:p>
+        </p:txBody>
+      </p:sp>
+      <p:sp>
+        <p:nvSpPr>
+          <p:cNvPr id="195587" name="Rectangle 3"/>
+          <p:cNvSpPr>
+            <a:spLocks noGrp="1" noChangeArrowheads="1"/>
+          </p:cNvSpPr>
+          <p:nvPr>
+            <p:ph type="body" idx="1"/>
+          </p:nvPr>
+        </p:nvSpPr>
+        <p:spPr>
+          <a:xfrm>
+            <a:off x="1918926" y="2780928"/>
+            <a:ext cx="6911975" cy="3887762"/>
+          </a:xfrm>
+        </p:spPr>
+        <p:txBody>
+          <a:bodyPr/>
+          <a:lstStyle/>
           <a:p>
             <a:pPr>
               <a:lnSpc>
@@ -6461,12 +6521,9 @@
               </a:lnSpc>
             </a:pPr>
             <a:r>
-              <a:rPr lang="ru-RU" altLang="ko-KR">
-                <a:ea typeface="굴림" charset="-127"/>
-              </a:rPr>
-              <a:t>Duis autem vel eum iriure dolor in hendrerit in vulputate velit esse molestie consequat, vel illum dolore eu feugiat nulla facilisis at vero eros et accumsan et iusto odio dignissim qui blandit praesent luptatum zzril delenit augue duis dolore te feugait nulla facilisi. </a:t>
-            </a:r>
-            <a:endParaRPr lang="uk-UA" altLang="en-US"/>
+              <a:rPr lang="en-GB" dirty="0"/>
+              <a:t>Describe the product that you have chosen in terms of the way that it collects and processes data and how this is used to make decisions. </a:t>
+            </a:r>
           </a:p>
           <a:p>
             <a:pPr>
@@ -6474,11 +6531,546 @@
                 <a:spcPct val="90000"/>
               </a:lnSpc>
             </a:pPr>
-            <a:endParaRPr lang="en-US" altLang="en-US"/>
+            <a:endParaRPr lang="en-IE" altLang="ko-KR" dirty="0">
+              <a:ea typeface="굴림" charset="-127"/>
+            </a:endParaRPr>
+          </a:p>
+          <a:p>
+            <a:pPr>
+              <a:lnSpc>
+                <a:spcPct val="90000"/>
+              </a:lnSpc>
+            </a:pPr>
+            <a:r>
+              <a:rPr lang="ru-RU" altLang="ko-KR" dirty="0">
+                <a:ea typeface="굴림" charset="-127"/>
+              </a:rPr>
+              <a:t>Lorem ipsum dolor sit amet, consectetuer adipiscing elit, sed diam nonummy nibh euismod tincidunt ut laoreet dolore magna aliquam erat volutpat. Ut wisi enim ad minim veniam, quis nostrud exerci tation ullamcorper suscipit lobortis nisl ut aliquip ex ea commodo consequat. </a:t>
+            </a:r>
+            <a:endParaRPr lang="en-US" altLang="ko-KR" dirty="0">
+              <a:ea typeface="굴림" charset="-127"/>
+            </a:endParaRPr>
+          </a:p>
+          <a:p>
+            <a:pPr>
+              <a:lnSpc>
+                <a:spcPct val="90000"/>
+              </a:lnSpc>
+            </a:pPr>
+            <a:endParaRPr lang="en-US" altLang="ko-KR" dirty="0">
+              <a:ea typeface="굴림" charset="-127"/>
+            </a:endParaRPr>
+          </a:p>
+          <a:p>
+            <a:pPr>
+              <a:lnSpc>
+                <a:spcPct val="90000"/>
+              </a:lnSpc>
+            </a:pPr>
+            <a:endParaRPr lang="en-US" altLang="en-US" dirty="0"/>
           </a:p>
         </p:txBody>
       </p:sp>
     </p:spTree>
+    <p:extLst>
+      <p:ext uri="{BB962C8B-B14F-4D97-AF65-F5344CB8AC3E}">
+        <p14:creationId xmlns:p14="http://schemas.microsoft.com/office/powerpoint/2010/main" val="414792102"/>
+      </p:ext>
+    </p:extLst>
+  </p:cSld>
+  <p:clrMapOvr>
+    <a:masterClrMapping/>
+  </p:clrMapOvr>
+</p:sld>
+</file>
+
+<file path=ppt/slides/slide5.xml><?xml version="1.0" encoding="utf-8"?>
+<p:sld xmlns:a="http://schemas.openxmlformats.org/drawingml/2006/main" xmlns:r="http://schemas.openxmlformats.org/officeDocument/2006/relationships" xmlns:p="http://schemas.openxmlformats.org/presentationml/2006/main">
+  <p:cSld>
+    <p:spTree>
+      <p:nvGrpSpPr>
+        <p:cNvPr id="1" name=""/>
+        <p:cNvGrpSpPr/>
+        <p:nvPr/>
+      </p:nvGrpSpPr>
+      <p:grpSpPr>
+        <a:xfrm>
+          <a:off x="0" y="0"/>
+          <a:ext cx="0" cy="0"/>
+          <a:chOff x="0" y="0"/>
+          <a:chExt cx="0" cy="0"/>
+        </a:xfrm>
+      </p:grpSpPr>
+      <p:sp>
+        <p:nvSpPr>
+          <p:cNvPr id="195586" name="Rectangle 2"/>
+          <p:cNvSpPr>
+            <a:spLocks noGrp="1" noChangeArrowheads="1"/>
+          </p:cNvSpPr>
+          <p:nvPr>
+            <p:ph type="title"/>
+          </p:nvPr>
+        </p:nvSpPr>
+        <p:spPr>
+          <a:xfrm>
+            <a:off x="1918925" y="1124744"/>
+            <a:ext cx="6911975" cy="777875"/>
+          </a:xfrm>
+        </p:spPr>
+        <p:txBody>
+          <a:bodyPr/>
+          <a:lstStyle/>
+          <a:p>
+            <a:r>
+              <a:rPr lang="en-GB" dirty="0"/>
+              <a:t>Conduct desk research to identify and critically evaluate publicly available information on the company’s approach to data governance, data privacy and data ethics. </a:t>
+            </a:r>
+            <a:endParaRPr lang="en-US" altLang="en-US" dirty="0"/>
+          </a:p>
+        </p:txBody>
+      </p:sp>
+      <p:sp>
+        <p:nvSpPr>
+          <p:cNvPr id="195587" name="Rectangle 3"/>
+          <p:cNvSpPr>
+            <a:spLocks noGrp="1" noChangeArrowheads="1"/>
+          </p:cNvSpPr>
+          <p:nvPr>
+            <p:ph type="body" idx="1"/>
+          </p:nvPr>
+        </p:nvSpPr>
+        <p:spPr>
+          <a:xfrm>
+            <a:off x="1918926" y="4221088"/>
+            <a:ext cx="6911975" cy="2447602"/>
+          </a:xfrm>
+        </p:spPr>
+        <p:txBody>
+          <a:bodyPr/>
+          <a:lstStyle/>
+          <a:p>
+            <a:pPr>
+              <a:lnSpc>
+                <a:spcPct val="90000"/>
+              </a:lnSpc>
+            </a:pPr>
+            <a:r>
+              <a:rPr lang="en-GB" dirty="0"/>
+              <a:t>Highlighting any areas for concern or examples of good practice.</a:t>
+            </a:r>
+          </a:p>
+          <a:p>
+            <a:pPr>
+              <a:lnSpc>
+                <a:spcPct val="90000"/>
+              </a:lnSpc>
+            </a:pPr>
+            <a:endParaRPr lang="en-US" altLang="ko-KR" dirty="0">
+              <a:ea typeface="굴림" charset="-127"/>
+            </a:endParaRPr>
+          </a:p>
+          <a:p>
+            <a:pPr>
+              <a:lnSpc>
+                <a:spcPct val="90000"/>
+              </a:lnSpc>
+            </a:pPr>
+            <a:r>
+              <a:rPr lang="ru-RU" altLang="ko-KR" dirty="0">
+                <a:ea typeface="굴림" charset="-127"/>
+              </a:rPr>
+              <a:t>Duis autem vel eum iriure dolor in hendrerit in vulputate velit esse molestie consequat, vel illum dolore eu feugiat nulla facilisis at vero eros et accumsan et iusto odio dignissim qui blandit praesent luptatum zzril delenit augue duis dolore te feugait nulla facilisi. </a:t>
+            </a:r>
+            <a:endParaRPr lang="uk-UA" altLang="en-US" dirty="0"/>
+          </a:p>
+          <a:p>
+            <a:pPr>
+              <a:lnSpc>
+                <a:spcPct val="90000"/>
+              </a:lnSpc>
+            </a:pPr>
+            <a:endParaRPr lang="en-US" altLang="en-US" dirty="0"/>
+          </a:p>
+        </p:txBody>
+      </p:sp>
+    </p:spTree>
+    <p:extLst>
+      <p:ext uri="{BB962C8B-B14F-4D97-AF65-F5344CB8AC3E}">
+        <p14:creationId xmlns:p14="http://schemas.microsoft.com/office/powerpoint/2010/main" val="1356156414"/>
+      </p:ext>
+    </p:extLst>
+  </p:cSld>
+  <p:clrMapOvr>
+    <a:masterClrMapping/>
+  </p:clrMapOvr>
+</p:sld>
+</file>
+
+<file path=ppt/slides/slide6.xml><?xml version="1.0" encoding="utf-8"?>
+<p:sld xmlns:a="http://schemas.openxmlformats.org/drawingml/2006/main" xmlns:r="http://schemas.openxmlformats.org/officeDocument/2006/relationships" xmlns:p="http://schemas.openxmlformats.org/presentationml/2006/main">
+  <p:cSld>
+    <p:spTree>
+      <p:nvGrpSpPr>
+        <p:cNvPr id="1" name=""/>
+        <p:cNvGrpSpPr/>
+        <p:nvPr/>
+      </p:nvGrpSpPr>
+      <p:grpSpPr>
+        <a:xfrm>
+          <a:off x="0" y="0"/>
+          <a:ext cx="0" cy="0"/>
+          <a:chOff x="0" y="0"/>
+          <a:chExt cx="0" cy="0"/>
+        </a:xfrm>
+      </p:grpSpPr>
+      <p:sp>
+        <p:nvSpPr>
+          <p:cNvPr id="195586" name="Rectangle 2"/>
+          <p:cNvSpPr>
+            <a:spLocks noGrp="1" noChangeArrowheads="1"/>
+          </p:cNvSpPr>
+          <p:nvPr>
+            <p:ph type="title"/>
+          </p:nvPr>
+        </p:nvSpPr>
+        <p:spPr>
+          <a:xfrm>
+            <a:off x="1918925" y="1124744"/>
+            <a:ext cx="6911975" cy="777875"/>
+          </a:xfrm>
+        </p:spPr>
+        <p:txBody>
+          <a:bodyPr/>
+          <a:lstStyle/>
+          <a:p>
+            <a:r>
+              <a:rPr lang="en-GB" dirty="0"/>
+              <a:t>Conduct desk research to identify and critically evaluate publicly available information on the company’s approach to data governance, data privacy and data ethics. </a:t>
+            </a:r>
+            <a:endParaRPr lang="en-US" altLang="en-US" dirty="0"/>
+          </a:p>
+        </p:txBody>
+      </p:sp>
+      <p:sp>
+        <p:nvSpPr>
+          <p:cNvPr id="195587" name="Rectangle 3"/>
+          <p:cNvSpPr>
+            <a:spLocks noGrp="1" noChangeArrowheads="1"/>
+          </p:cNvSpPr>
+          <p:nvPr>
+            <p:ph type="body" idx="1"/>
+          </p:nvPr>
+        </p:nvSpPr>
+        <p:spPr>
+          <a:xfrm>
+            <a:off x="1918926" y="4221088"/>
+            <a:ext cx="6911975" cy="2447602"/>
+          </a:xfrm>
+        </p:spPr>
+        <p:txBody>
+          <a:bodyPr/>
+          <a:lstStyle/>
+          <a:p>
+            <a:pPr>
+              <a:lnSpc>
+                <a:spcPct val="90000"/>
+              </a:lnSpc>
+            </a:pPr>
+            <a:r>
+              <a:rPr lang="en-GB" dirty="0"/>
+              <a:t>Slide 1. Highlighting any areas for concern or examples of good practice.</a:t>
+            </a:r>
+          </a:p>
+          <a:p>
+            <a:pPr>
+              <a:lnSpc>
+                <a:spcPct val="90000"/>
+              </a:lnSpc>
+            </a:pPr>
+            <a:endParaRPr lang="en-US" altLang="ko-KR" dirty="0">
+              <a:ea typeface="굴림" charset="-127"/>
+            </a:endParaRPr>
+          </a:p>
+          <a:p>
+            <a:pPr>
+              <a:lnSpc>
+                <a:spcPct val="90000"/>
+              </a:lnSpc>
+            </a:pPr>
+            <a:r>
+              <a:rPr lang="ru-RU" altLang="ko-KR" dirty="0">
+                <a:ea typeface="굴림" charset="-127"/>
+              </a:rPr>
+              <a:t>Duis autem vel eum iriure dolor in hendrerit in vulputate velit esse molestie consequat, vel illum dolore eu feugiat nulla facilisis at vero eros et accumsan et iusto odio dignissim qui blandit praesent luptatum zzril delenit augue duis dolore te feugait nulla facilisi. </a:t>
+            </a:r>
+            <a:endParaRPr lang="uk-UA" altLang="en-US" dirty="0"/>
+          </a:p>
+          <a:p>
+            <a:pPr>
+              <a:lnSpc>
+                <a:spcPct val="90000"/>
+              </a:lnSpc>
+            </a:pPr>
+            <a:endParaRPr lang="en-US" altLang="en-US" dirty="0"/>
+          </a:p>
+        </p:txBody>
+      </p:sp>
+    </p:spTree>
+    <p:extLst>
+      <p:ext uri="{BB962C8B-B14F-4D97-AF65-F5344CB8AC3E}">
+        <p14:creationId xmlns:p14="http://schemas.microsoft.com/office/powerpoint/2010/main" val="2801689248"/>
+      </p:ext>
+    </p:extLst>
+  </p:cSld>
+  <p:clrMapOvr>
+    <a:masterClrMapping/>
+  </p:clrMapOvr>
+</p:sld>
+</file>
+
+<file path=ppt/slides/slide7.xml><?xml version="1.0" encoding="utf-8"?>
+<p:sld xmlns:a="http://schemas.openxmlformats.org/drawingml/2006/main" xmlns:r="http://schemas.openxmlformats.org/officeDocument/2006/relationships" xmlns:p="http://schemas.openxmlformats.org/presentationml/2006/main">
+  <p:cSld>
+    <p:spTree>
+      <p:nvGrpSpPr>
+        <p:cNvPr id="1" name=""/>
+        <p:cNvGrpSpPr/>
+        <p:nvPr/>
+      </p:nvGrpSpPr>
+      <p:grpSpPr>
+        <a:xfrm>
+          <a:off x="0" y="0"/>
+          <a:ext cx="0" cy="0"/>
+          <a:chOff x="0" y="0"/>
+          <a:chExt cx="0" cy="0"/>
+        </a:xfrm>
+      </p:grpSpPr>
+      <p:sp>
+        <p:nvSpPr>
+          <p:cNvPr id="195586" name="Rectangle 2"/>
+          <p:cNvSpPr>
+            <a:spLocks noGrp="1" noChangeArrowheads="1"/>
+          </p:cNvSpPr>
+          <p:nvPr>
+            <p:ph type="title"/>
+          </p:nvPr>
+        </p:nvSpPr>
+        <p:spPr>
+          <a:xfrm>
+            <a:off x="1918925" y="1124744"/>
+            <a:ext cx="6911975" cy="777875"/>
+          </a:xfrm>
+        </p:spPr>
+        <p:txBody>
+          <a:bodyPr/>
+          <a:lstStyle/>
+          <a:p>
+            <a:r>
+              <a:rPr lang="en-GB" dirty="0"/>
+              <a:t>Conduct desk research to identify and critically evaluate publicly available information on the company’s approach to data governance, data privacy and data ethics. </a:t>
+            </a:r>
+            <a:endParaRPr lang="en-US" altLang="en-US" dirty="0"/>
+          </a:p>
+        </p:txBody>
+      </p:sp>
+      <p:sp>
+        <p:nvSpPr>
+          <p:cNvPr id="195587" name="Rectangle 3"/>
+          <p:cNvSpPr>
+            <a:spLocks noGrp="1" noChangeArrowheads="1"/>
+          </p:cNvSpPr>
+          <p:nvPr>
+            <p:ph type="body" idx="1"/>
+          </p:nvPr>
+        </p:nvSpPr>
+        <p:spPr>
+          <a:xfrm>
+            <a:off x="1918926" y="4221088"/>
+            <a:ext cx="6911975" cy="2447602"/>
+          </a:xfrm>
+        </p:spPr>
+        <p:txBody>
+          <a:bodyPr/>
+          <a:lstStyle/>
+          <a:p>
+            <a:pPr>
+              <a:lnSpc>
+                <a:spcPct val="90000"/>
+              </a:lnSpc>
+            </a:pPr>
+            <a:r>
+              <a:rPr lang="en-GB" dirty="0"/>
+              <a:t>Slide 2. Highlighting any areas for concern or examples of good practice.</a:t>
+            </a:r>
+          </a:p>
+          <a:p>
+            <a:pPr>
+              <a:lnSpc>
+                <a:spcPct val="90000"/>
+              </a:lnSpc>
+            </a:pPr>
+            <a:endParaRPr lang="en-US" altLang="ko-KR" dirty="0">
+              <a:ea typeface="굴림" charset="-127"/>
+            </a:endParaRPr>
+          </a:p>
+          <a:p>
+            <a:pPr>
+              <a:lnSpc>
+                <a:spcPct val="90000"/>
+              </a:lnSpc>
+            </a:pPr>
+            <a:r>
+              <a:rPr lang="ru-RU" altLang="ko-KR" dirty="0">
+                <a:ea typeface="굴림" charset="-127"/>
+              </a:rPr>
+              <a:t>Duis autem vel eum iriure dolor in hendrerit in vulputate velit esse molestie consequat, vel illum dolore eu feugiat nulla facilisis at vero eros et accumsan et iusto odio dignissim qui blandit praesent luptatum zzril delenit augue duis dolore te feugait nulla facilisi. </a:t>
+            </a:r>
+            <a:endParaRPr lang="uk-UA" altLang="en-US" dirty="0"/>
+          </a:p>
+          <a:p>
+            <a:pPr>
+              <a:lnSpc>
+                <a:spcPct val="90000"/>
+              </a:lnSpc>
+            </a:pPr>
+            <a:endParaRPr lang="en-US" altLang="en-US" dirty="0"/>
+          </a:p>
+        </p:txBody>
+      </p:sp>
+    </p:spTree>
+    <p:extLst>
+      <p:ext uri="{BB962C8B-B14F-4D97-AF65-F5344CB8AC3E}">
+        <p14:creationId xmlns:p14="http://schemas.microsoft.com/office/powerpoint/2010/main" val="4143625492"/>
+      </p:ext>
+    </p:extLst>
+  </p:cSld>
+  <p:clrMapOvr>
+    <a:masterClrMapping/>
+  </p:clrMapOvr>
+</p:sld>
+</file>
+
+<file path=ppt/slides/slide8.xml><?xml version="1.0" encoding="utf-8"?>
+<p:sld xmlns:a="http://schemas.openxmlformats.org/drawingml/2006/main" xmlns:r="http://schemas.openxmlformats.org/officeDocument/2006/relationships" xmlns:p="http://schemas.openxmlformats.org/presentationml/2006/main">
+  <p:cSld>
+    <p:spTree>
+      <p:nvGrpSpPr>
+        <p:cNvPr id="1" name=""/>
+        <p:cNvGrpSpPr/>
+        <p:nvPr/>
+      </p:nvGrpSpPr>
+      <p:grpSpPr>
+        <a:xfrm>
+          <a:off x="0" y="0"/>
+          <a:ext cx="0" cy="0"/>
+          <a:chOff x="0" y="0"/>
+          <a:chExt cx="0" cy="0"/>
+        </a:xfrm>
+      </p:grpSpPr>
+      <p:sp>
+        <p:nvSpPr>
+          <p:cNvPr id="195586" name="Rectangle 2"/>
+          <p:cNvSpPr>
+            <a:spLocks noGrp="1" noChangeArrowheads="1"/>
+          </p:cNvSpPr>
+          <p:nvPr>
+            <p:ph type="title"/>
+          </p:nvPr>
+        </p:nvSpPr>
+        <p:spPr>
+          <a:xfrm>
+            <a:off x="1918925" y="1124744"/>
+            <a:ext cx="6911975" cy="777875"/>
+          </a:xfrm>
+        </p:spPr>
+        <p:txBody>
+          <a:bodyPr/>
+          <a:lstStyle/>
+          <a:p>
+            <a:r>
+              <a:rPr lang="en-GB" dirty="0"/>
+              <a:t>Conduct desk research to identify and critically evaluate publicly available information on the company’s approach to data governance, data privacy and data ethics. </a:t>
+            </a:r>
+            <a:endParaRPr lang="en-US" altLang="en-US" dirty="0"/>
+          </a:p>
+        </p:txBody>
+      </p:sp>
+      <p:sp>
+        <p:nvSpPr>
+          <p:cNvPr id="195587" name="Rectangle 3"/>
+          <p:cNvSpPr>
+            <a:spLocks noGrp="1" noChangeArrowheads="1"/>
+          </p:cNvSpPr>
+          <p:nvPr>
+            <p:ph type="body" idx="1"/>
+          </p:nvPr>
+        </p:nvSpPr>
+        <p:spPr>
+          <a:xfrm>
+            <a:off x="1918926" y="4221088"/>
+            <a:ext cx="6911975" cy="2447602"/>
+          </a:xfrm>
+        </p:spPr>
+        <p:txBody>
+          <a:bodyPr/>
+          <a:lstStyle/>
+          <a:p>
+            <a:pPr>
+              <a:lnSpc>
+                <a:spcPct val="90000"/>
+              </a:lnSpc>
+            </a:pPr>
+            <a:r>
+              <a:rPr lang="en-GB" dirty="0"/>
+              <a:t>Slide 3. Highlighting any areas for concern or examples of good practice.</a:t>
+            </a:r>
+          </a:p>
+          <a:p>
+            <a:pPr>
+              <a:lnSpc>
+                <a:spcPct val="90000"/>
+              </a:lnSpc>
+            </a:pPr>
+            <a:endParaRPr lang="en-US" altLang="ko-KR" dirty="0">
+              <a:ea typeface="굴림" charset="-127"/>
+            </a:endParaRPr>
+          </a:p>
+          <a:p>
+            <a:pPr>
+              <a:lnSpc>
+                <a:spcPct val="90000"/>
+              </a:lnSpc>
+            </a:pPr>
+            <a:r>
+              <a:rPr lang="en-IE" altLang="ko-KR">
+                <a:ea typeface="굴림" charset="-127"/>
+              </a:rPr>
+              <a:t>Final conclusions..</a:t>
+            </a:r>
+            <a:r>
+              <a:rPr lang="ru-RU" altLang="ko-KR">
+                <a:ea typeface="굴림" charset="-127"/>
+              </a:rPr>
+              <a:t>. </a:t>
+            </a:r>
+            <a:endParaRPr lang="uk-UA" altLang="en-US" dirty="0"/>
+          </a:p>
+          <a:p>
+            <a:pPr>
+              <a:lnSpc>
+                <a:spcPct val="90000"/>
+              </a:lnSpc>
+            </a:pPr>
+            <a:endParaRPr lang="en-US" altLang="en-US" dirty="0"/>
+          </a:p>
+        </p:txBody>
+      </p:sp>
+    </p:spTree>
+    <p:extLst>
+      <p:ext uri="{BB962C8B-B14F-4D97-AF65-F5344CB8AC3E}">
+        <p14:creationId xmlns:p14="http://schemas.microsoft.com/office/powerpoint/2010/main" val="3194091033"/>
+      </p:ext>
+    </p:extLst>
   </p:cSld>
   <p:clrMapOvr>
     <a:masterClrMapping/>
